--- a/ppt 16-9/1362.如鹰展翅上腾.pptx
+++ b/ppt 16-9/1362.如鹰展翅上腾.pptx
@@ -129,7 +129,7 @@
           <p:cNvPr id="2" name="标题 1">
             <a:extLst>
               <a:ext uri="{FF2B5EF4-FFF2-40B4-BE49-F238E27FC236}">
-                <a16:creationId xmlns:a16="http://schemas.microsoft.com/office/drawing/2014/main" id="{E6397899-A7F3-5F88-E940-4AAF143EC4CC}"/>
+                <a16:creationId xmlns:a16="http://schemas.microsoft.com/office/drawing/2014/main" id="{447C8137-7DA0-49C3-7FBD-B4747FD2B939}"/>
               </a:ext>
             </a:extLst>
           </p:cNvPr>
@@ -166,7 +166,7 @@
           <p:cNvPr id="3" name="副标题 2">
             <a:extLst>
               <a:ext uri="{FF2B5EF4-FFF2-40B4-BE49-F238E27FC236}">
-                <a16:creationId xmlns:a16="http://schemas.microsoft.com/office/drawing/2014/main" id="{5C8D2DAF-C65F-8BC6-74DB-1190256B416F}"/>
+                <a16:creationId xmlns:a16="http://schemas.microsoft.com/office/drawing/2014/main" id="{0D3D62DC-A348-BE85-8A1A-CE280C2E10E6}"/>
               </a:ext>
             </a:extLst>
           </p:cNvPr>
@@ -236,7 +236,7 @@
           <p:cNvPr id="4" name="日期占位符 3">
             <a:extLst>
               <a:ext uri="{FF2B5EF4-FFF2-40B4-BE49-F238E27FC236}">
-                <a16:creationId xmlns:a16="http://schemas.microsoft.com/office/drawing/2014/main" id="{95796645-1397-D29C-0FE6-95A24FF25B3D}"/>
+                <a16:creationId xmlns:a16="http://schemas.microsoft.com/office/drawing/2014/main" id="{9C1B279B-06C2-E6C8-2F8B-395D98D2B68B}"/>
               </a:ext>
             </a:extLst>
           </p:cNvPr>
@@ -252,7 +252,7 @@
           <a:bodyPr/>
           <a:lstStyle/>
           <a:p>
-            <a:fld id="{5DFB7F0E-8395-4EE0-BEFA-6B2B519E63DC}" type="datetimeFigureOut">
+            <a:fld id="{05C64869-580A-4F91-B380-602DA525EA76}" type="datetimeFigureOut">
               <a:rPr lang="zh-CN" altLang="en-US" smtClean="0"/>
               <a:t>2024/3/10</a:t>
             </a:fld>
@@ -265,7 +265,7 @@
           <p:cNvPr id="5" name="页脚占位符 4">
             <a:extLst>
               <a:ext uri="{FF2B5EF4-FFF2-40B4-BE49-F238E27FC236}">
-                <a16:creationId xmlns:a16="http://schemas.microsoft.com/office/drawing/2014/main" id="{B5912DDB-03D0-E549-5879-9462A57DEFA1}"/>
+                <a16:creationId xmlns:a16="http://schemas.microsoft.com/office/drawing/2014/main" id="{961EA041-389C-4D6A-1EBF-612F93EC2C01}"/>
               </a:ext>
             </a:extLst>
           </p:cNvPr>
@@ -290,7 +290,7 @@
           <p:cNvPr id="6" name="灯片编号占位符 5">
             <a:extLst>
               <a:ext uri="{FF2B5EF4-FFF2-40B4-BE49-F238E27FC236}">
-                <a16:creationId xmlns:a16="http://schemas.microsoft.com/office/drawing/2014/main" id="{DADED1FF-80A5-16D2-F10C-A5BFDBFDB426}"/>
+                <a16:creationId xmlns:a16="http://schemas.microsoft.com/office/drawing/2014/main" id="{93026578-D46C-6207-3931-7F1FE21419B9}"/>
               </a:ext>
             </a:extLst>
           </p:cNvPr>
@@ -306,7 +306,7 @@
           <a:bodyPr/>
           <a:lstStyle/>
           <a:p>
-            <a:fld id="{F8D968D9-4CD3-428C-B29F-6EC42F36DC62}" type="slidenum">
+            <a:fld id="{16FDC2A1-7779-47E5-9341-4A1E69250E43}" type="slidenum">
               <a:rPr lang="zh-CN" altLang="en-US" smtClean="0"/>
               <a:t>‹#›</a:t>
             </a:fld>
@@ -317,7 +317,7 @@
     </p:spTree>
     <p:extLst>
       <p:ext uri="{BB962C8B-B14F-4D97-AF65-F5344CB8AC3E}">
-        <p14:creationId xmlns:p14="http://schemas.microsoft.com/office/powerpoint/2010/main" val="1547336136"/>
+        <p14:creationId xmlns:p14="http://schemas.microsoft.com/office/powerpoint/2010/main" val="16338594"/>
       </p:ext>
     </p:extLst>
   </p:cSld>
@@ -349,7 +349,7 @@
           <p:cNvPr id="2" name="标题 1">
             <a:extLst>
               <a:ext uri="{FF2B5EF4-FFF2-40B4-BE49-F238E27FC236}">
-                <a16:creationId xmlns:a16="http://schemas.microsoft.com/office/drawing/2014/main" id="{D5FB384F-90A8-6DFE-8CCC-D188BA0FE4E8}"/>
+                <a16:creationId xmlns:a16="http://schemas.microsoft.com/office/drawing/2014/main" id="{226522CD-4983-F244-78DC-86155AE39D93}"/>
               </a:ext>
             </a:extLst>
           </p:cNvPr>
@@ -377,7 +377,7 @@
           <p:cNvPr id="3" name="竖排文字占位符 2">
             <a:extLst>
               <a:ext uri="{FF2B5EF4-FFF2-40B4-BE49-F238E27FC236}">
-                <a16:creationId xmlns:a16="http://schemas.microsoft.com/office/drawing/2014/main" id="{CD6F12A3-3AC8-0E4F-4BA0-B4601E28778A}"/>
+                <a16:creationId xmlns:a16="http://schemas.microsoft.com/office/drawing/2014/main" id="{E5432881-07D3-2046-5864-B68B9B361571}"/>
               </a:ext>
             </a:extLst>
           </p:cNvPr>
@@ -434,7 +434,7 @@
           <p:cNvPr id="4" name="日期占位符 3">
             <a:extLst>
               <a:ext uri="{FF2B5EF4-FFF2-40B4-BE49-F238E27FC236}">
-                <a16:creationId xmlns:a16="http://schemas.microsoft.com/office/drawing/2014/main" id="{70F53973-8C7F-C85E-BA46-534BB1FA6174}"/>
+                <a16:creationId xmlns:a16="http://schemas.microsoft.com/office/drawing/2014/main" id="{B1A89F80-CEA0-8019-CF5C-BD42C00ABD24}"/>
               </a:ext>
             </a:extLst>
           </p:cNvPr>
@@ -450,7 +450,7 @@
           <a:bodyPr/>
           <a:lstStyle/>
           <a:p>
-            <a:fld id="{5DFB7F0E-8395-4EE0-BEFA-6B2B519E63DC}" type="datetimeFigureOut">
+            <a:fld id="{05C64869-580A-4F91-B380-602DA525EA76}" type="datetimeFigureOut">
               <a:rPr lang="zh-CN" altLang="en-US" smtClean="0"/>
               <a:t>2024/3/10</a:t>
             </a:fld>
@@ -463,7 +463,7 @@
           <p:cNvPr id="5" name="页脚占位符 4">
             <a:extLst>
               <a:ext uri="{FF2B5EF4-FFF2-40B4-BE49-F238E27FC236}">
-                <a16:creationId xmlns:a16="http://schemas.microsoft.com/office/drawing/2014/main" id="{19CD23C9-C6C2-94FC-6710-602DAD97C918}"/>
+                <a16:creationId xmlns:a16="http://schemas.microsoft.com/office/drawing/2014/main" id="{2B66F0C9-089E-9B02-FF09-70381CE26A6E}"/>
               </a:ext>
             </a:extLst>
           </p:cNvPr>
@@ -488,7 +488,7 @@
           <p:cNvPr id="6" name="灯片编号占位符 5">
             <a:extLst>
               <a:ext uri="{FF2B5EF4-FFF2-40B4-BE49-F238E27FC236}">
-                <a16:creationId xmlns:a16="http://schemas.microsoft.com/office/drawing/2014/main" id="{C48A16D9-BBCD-A1A8-5F58-18035D85083A}"/>
+                <a16:creationId xmlns:a16="http://schemas.microsoft.com/office/drawing/2014/main" id="{58314DF3-9A9B-9172-4668-25B63E1ABBA3}"/>
               </a:ext>
             </a:extLst>
           </p:cNvPr>
@@ -504,7 +504,7 @@
           <a:bodyPr/>
           <a:lstStyle/>
           <a:p>
-            <a:fld id="{F8D968D9-4CD3-428C-B29F-6EC42F36DC62}" type="slidenum">
+            <a:fld id="{16FDC2A1-7779-47E5-9341-4A1E69250E43}" type="slidenum">
               <a:rPr lang="zh-CN" altLang="en-US" smtClean="0"/>
               <a:t>‹#›</a:t>
             </a:fld>
@@ -515,7 +515,7 @@
     </p:spTree>
     <p:extLst>
       <p:ext uri="{BB962C8B-B14F-4D97-AF65-F5344CB8AC3E}">
-        <p14:creationId xmlns:p14="http://schemas.microsoft.com/office/powerpoint/2010/main" val="3157742177"/>
+        <p14:creationId xmlns:p14="http://schemas.microsoft.com/office/powerpoint/2010/main" val="1542531285"/>
       </p:ext>
     </p:extLst>
   </p:cSld>
@@ -547,7 +547,7 @@
           <p:cNvPr id="2" name="竖排标题 1">
             <a:extLst>
               <a:ext uri="{FF2B5EF4-FFF2-40B4-BE49-F238E27FC236}">
-                <a16:creationId xmlns:a16="http://schemas.microsoft.com/office/drawing/2014/main" id="{2E9B74CA-5E7F-E185-729F-459E6E09DE21}"/>
+                <a16:creationId xmlns:a16="http://schemas.microsoft.com/office/drawing/2014/main" id="{2D4AB011-DB30-286E-9C59-24D241C2E9B8}"/>
               </a:ext>
             </a:extLst>
           </p:cNvPr>
@@ -580,7 +580,7 @@
           <p:cNvPr id="3" name="竖排文字占位符 2">
             <a:extLst>
               <a:ext uri="{FF2B5EF4-FFF2-40B4-BE49-F238E27FC236}">
-                <a16:creationId xmlns:a16="http://schemas.microsoft.com/office/drawing/2014/main" id="{2AAE83C3-F52A-6637-E22A-0E59A2D697A3}"/>
+                <a16:creationId xmlns:a16="http://schemas.microsoft.com/office/drawing/2014/main" id="{FAE41F40-2E91-1018-CAE7-42E37DB30AD5}"/>
               </a:ext>
             </a:extLst>
           </p:cNvPr>
@@ -642,7 +642,7 @@
           <p:cNvPr id="4" name="日期占位符 3">
             <a:extLst>
               <a:ext uri="{FF2B5EF4-FFF2-40B4-BE49-F238E27FC236}">
-                <a16:creationId xmlns:a16="http://schemas.microsoft.com/office/drawing/2014/main" id="{151EB20E-1794-21A1-3FC1-A0B8C0315466}"/>
+                <a16:creationId xmlns:a16="http://schemas.microsoft.com/office/drawing/2014/main" id="{65C716F4-5BD1-51F5-FC3F-7AC9871F3D85}"/>
               </a:ext>
             </a:extLst>
           </p:cNvPr>
@@ -658,7 +658,7 @@
           <a:bodyPr/>
           <a:lstStyle/>
           <a:p>
-            <a:fld id="{5DFB7F0E-8395-4EE0-BEFA-6B2B519E63DC}" type="datetimeFigureOut">
+            <a:fld id="{05C64869-580A-4F91-B380-602DA525EA76}" type="datetimeFigureOut">
               <a:rPr lang="zh-CN" altLang="en-US" smtClean="0"/>
               <a:t>2024/3/10</a:t>
             </a:fld>
@@ -671,7 +671,7 @@
           <p:cNvPr id="5" name="页脚占位符 4">
             <a:extLst>
               <a:ext uri="{FF2B5EF4-FFF2-40B4-BE49-F238E27FC236}">
-                <a16:creationId xmlns:a16="http://schemas.microsoft.com/office/drawing/2014/main" id="{2611E0BF-30CE-E53E-D381-C511A54433A4}"/>
+                <a16:creationId xmlns:a16="http://schemas.microsoft.com/office/drawing/2014/main" id="{4C257419-BE88-C1B3-50F5-5A4C54F3408F}"/>
               </a:ext>
             </a:extLst>
           </p:cNvPr>
@@ -696,7 +696,7 @@
           <p:cNvPr id="6" name="灯片编号占位符 5">
             <a:extLst>
               <a:ext uri="{FF2B5EF4-FFF2-40B4-BE49-F238E27FC236}">
-                <a16:creationId xmlns:a16="http://schemas.microsoft.com/office/drawing/2014/main" id="{432CF94E-4189-B3A6-2A62-A7799159C571}"/>
+                <a16:creationId xmlns:a16="http://schemas.microsoft.com/office/drawing/2014/main" id="{70971074-F367-92E9-8F81-407FC54CE280}"/>
               </a:ext>
             </a:extLst>
           </p:cNvPr>
@@ -712,7 +712,7 @@
           <a:bodyPr/>
           <a:lstStyle/>
           <a:p>
-            <a:fld id="{F8D968D9-4CD3-428C-B29F-6EC42F36DC62}" type="slidenum">
+            <a:fld id="{16FDC2A1-7779-47E5-9341-4A1E69250E43}" type="slidenum">
               <a:rPr lang="zh-CN" altLang="en-US" smtClean="0"/>
               <a:t>‹#›</a:t>
             </a:fld>
@@ -723,7 +723,7 @@
     </p:spTree>
     <p:extLst>
       <p:ext uri="{BB962C8B-B14F-4D97-AF65-F5344CB8AC3E}">
-        <p14:creationId xmlns:p14="http://schemas.microsoft.com/office/powerpoint/2010/main" val="1160277219"/>
+        <p14:creationId xmlns:p14="http://schemas.microsoft.com/office/powerpoint/2010/main" val="2402257601"/>
       </p:ext>
     </p:extLst>
   </p:cSld>
@@ -755,7 +755,7 @@
           <p:cNvPr id="2" name="标题 1">
             <a:extLst>
               <a:ext uri="{FF2B5EF4-FFF2-40B4-BE49-F238E27FC236}">
-                <a16:creationId xmlns:a16="http://schemas.microsoft.com/office/drawing/2014/main" id="{9B9294FA-C78E-101A-AC62-245B54643601}"/>
+                <a16:creationId xmlns:a16="http://schemas.microsoft.com/office/drawing/2014/main" id="{74431103-90E9-A4B6-1571-A5DBA443C7D4}"/>
               </a:ext>
             </a:extLst>
           </p:cNvPr>
@@ -783,7 +783,7 @@
           <p:cNvPr id="3" name="内容占位符 2">
             <a:extLst>
               <a:ext uri="{FF2B5EF4-FFF2-40B4-BE49-F238E27FC236}">
-                <a16:creationId xmlns:a16="http://schemas.microsoft.com/office/drawing/2014/main" id="{3C93F452-F522-295A-6219-531805AE77E1}"/>
+                <a16:creationId xmlns:a16="http://schemas.microsoft.com/office/drawing/2014/main" id="{24697996-35CD-BF2C-74EA-B556C8EA9812}"/>
               </a:ext>
             </a:extLst>
           </p:cNvPr>
@@ -840,7 +840,7 @@
           <p:cNvPr id="4" name="日期占位符 3">
             <a:extLst>
               <a:ext uri="{FF2B5EF4-FFF2-40B4-BE49-F238E27FC236}">
-                <a16:creationId xmlns:a16="http://schemas.microsoft.com/office/drawing/2014/main" id="{F7345365-3218-D916-E3F4-9D15F0738245}"/>
+                <a16:creationId xmlns:a16="http://schemas.microsoft.com/office/drawing/2014/main" id="{AB6E07F6-F5F5-ED8B-1766-C177083ABE2D}"/>
               </a:ext>
             </a:extLst>
           </p:cNvPr>
@@ -856,7 +856,7 @@
           <a:bodyPr/>
           <a:lstStyle/>
           <a:p>
-            <a:fld id="{5DFB7F0E-8395-4EE0-BEFA-6B2B519E63DC}" type="datetimeFigureOut">
+            <a:fld id="{05C64869-580A-4F91-B380-602DA525EA76}" type="datetimeFigureOut">
               <a:rPr lang="zh-CN" altLang="en-US" smtClean="0"/>
               <a:t>2024/3/10</a:t>
             </a:fld>
@@ -869,7 +869,7 @@
           <p:cNvPr id="5" name="页脚占位符 4">
             <a:extLst>
               <a:ext uri="{FF2B5EF4-FFF2-40B4-BE49-F238E27FC236}">
-                <a16:creationId xmlns:a16="http://schemas.microsoft.com/office/drawing/2014/main" id="{BB617D5B-34DE-E559-1F5C-C3E0CAF658D4}"/>
+                <a16:creationId xmlns:a16="http://schemas.microsoft.com/office/drawing/2014/main" id="{A431FE4D-6DAD-84C1-6C10-85CDF756D8C2}"/>
               </a:ext>
             </a:extLst>
           </p:cNvPr>
@@ -894,7 +894,7 @@
           <p:cNvPr id="6" name="灯片编号占位符 5">
             <a:extLst>
               <a:ext uri="{FF2B5EF4-FFF2-40B4-BE49-F238E27FC236}">
-                <a16:creationId xmlns:a16="http://schemas.microsoft.com/office/drawing/2014/main" id="{B8D804FB-161F-3B5E-96E4-D3A642D08005}"/>
+                <a16:creationId xmlns:a16="http://schemas.microsoft.com/office/drawing/2014/main" id="{5DC234D4-9197-EFB0-C11D-FB0E953A690C}"/>
               </a:ext>
             </a:extLst>
           </p:cNvPr>
@@ -910,7 +910,7 @@
           <a:bodyPr/>
           <a:lstStyle/>
           <a:p>
-            <a:fld id="{F8D968D9-4CD3-428C-B29F-6EC42F36DC62}" type="slidenum">
+            <a:fld id="{16FDC2A1-7779-47E5-9341-4A1E69250E43}" type="slidenum">
               <a:rPr lang="zh-CN" altLang="en-US" smtClean="0"/>
               <a:t>‹#›</a:t>
             </a:fld>
@@ -921,7 +921,7 @@
     </p:spTree>
     <p:extLst>
       <p:ext uri="{BB962C8B-B14F-4D97-AF65-F5344CB8AC3E}">
-        <p14:creationId xmlns:p14="http://schemas.microsoft.com/office/powerpoint/2010/main" val="1568911908"/>
+        <p14:creationId xmlns:p14="http://schemas.microsoft.com/office/powerpoint/2010/main" val="1292302231"/>
       </p:ext>
     </p:extLst>
   </p:cSld>
@@ -953,7 +953,7 @@
           <p:cNvPr id="2" name="标题 1">
             <a:extLst>
               <a:ext uri="{FF2B5EF4-FFF2-40B4-BE49-F238E27FC236}">
-                <a16:creationId xmlns:a16="http://schemas.microsoft.com/office/drawing/2014/main" id="{89828ED4-973B-CB3A-5008-AAC14B566933}"/>
+                <a16:creationId xmlns:a16="http://schemas.microsoft.com/office/drawing/2014/main" id="{137BED0A-4E77-35C3-3830-B46EAC10754C}"/>
               </a:ext>
             </a:extLst>
           </p:cNvPr>
@@ -990,7 +990,7 @@
           <p:cNvPr id="3" name="文本占位符 2">
             <a:extLst>
               <a:ext uri="{FF2B5EF4-FFF2-40B4-BE49-F238E27FC236}">
-                <a16:creationId xmlns:a16="http://schemas.microsoft.com/office/drawing/2014/main" id="{42B20457-9710-F4E1-6D21-ECCC7F31060B}"/>
+                <a16:creationId xmlns:a16="http://schemas.microsoft.com/office/drawing/2014/main" id="{8E2E97B9-701E-CB68-EC3C-45085372365A}"/>
               </a:ext>
             </a:extLst>
           </p:cNvPr>
@@ -1115,7 +1115,7 @@
           <p:cNvPr id="4" name="日期占位符 3">
             <a:extLst>
               <a:ext uri="{FF2B5EF4-FFF2-40B4-BE49-F238E27FC236}">
-                <a16:creationId xmlns:a16="http://schemas.microsoft.com/office/drawing/2014/main" id="{C57FB81C-4DEE-5C3A-9807-BE9FFEB2B510}"/>
+                <a16:creationId xmlns:a16="http://schemas.microsoft.com/office/drawing/2014/main" id="{0F5A4568-0F8F-2DEC-E32F-A176E0457C77}"/>
               </a:ext>
             </a:extLst>
           </p:cNvPr>
@@ -1131,7 +1131,7 @@
           <a:bodyPr/>
           <a:lstStyle/>
           <a:p>
-            <a:fld id="{5DFB7F0E-8395-4EE0-BEFA-6B2B519E63DC}" type="datetimeFigureOut">
+            <a:fld id="{05C64869-580A-4F91-B380-602DA525EA76}" type="datetimeFigureOut">
               <a:rPr lang="zh-CN" altLang="en-US" smtClean="0"/>
               <a:t>2024/3/10</a:t>
             </a:fld>
@@ -1144,7 +1144,7 @@
           <p:cNvPr id="5" name="页脚占位符 4">
             <a:extLst>
               <a:ext uri="{FF2B5EF4-FFF2-40B4-BE49-F238E27FC236}">
-                <a16:creationId xmlns:a16="http://schemas.microsoft.com/office/drawing/2014/main" id="{CAFCDCC8-02E3-402B-F30A-C4BFDA9941C7}"/>
+                <a16:creationId xmlns:a16="http://schemas.microsoft.com/office/drawing/2014/main" id="{F183B3DC-E397-82B7-E162-80649BDCAF9E}"/>
               </a:ext>
             </a:extLst>
           </p:cNvPr>
@@ -1169,7 +1169,7 @@
           <p:cNvPr id="6" name="灯片编号占位符 5">
             <a:extLst>
               <a:ext uri="{FF2B5EF4-FFF2-40B4-BE49-F238E27FC236}">
-                <a16:creationId xmlns:a16="http://schemas.microsoft.com/office/drawing/2014/main" id="{EDDD76FF-F2A6-3ECA-5CED-1DEC9005C863}"/>
+                <a16:creationId xmlns:a16="http://schemas.microsoft.com/office/drawing/2014/main" id="{CD23D8C2-77CA-B609-EDB5-95F9DAE4E980}"/>
               </a:ext>
             </a:extLst>
           </p:cNvPr>
@@ -1185,7 +1185,7 @@
           <a:bodyPr/>
           <a:lstStyle/>
           <a:p>
-            <a:fld id="{F8D968D9-4CD3-428C-B29F-6EC42F36DC62}" type="slidenum">
+            <a:fld id="{16FDC2A1-7779-47E5-9341-4A1E69250E43}" type="slidenum">
               <a:rPr lang="zh-CN" altLang="en-US" smtClean="0"/>
               <a:t>‹#›</a:t>
             </a:fld>
@@ -1196,7 +1196,7 @@
     </p:spTree>
     <p:extLst>
       <p:ext uri="{BB962C8B-B14F-4D97-AF65-F5344CB8AC3E}">
-        <p14:creationId xmlns:p14="http://schemas.microsoft.com/office/powerpoint/2010/main" val="2349540125"/>
+        <p14:creationId xmlns:p14="http://schemas.microsoft.com/office/powerpoint/2010/main" val="890728813"/>
       </p:ext>
     </p:extLst>
   </p:cSld>
@@ -1228,7 +1228,7 @@
           <p:cNvPr id="2" name="标题 1">
             <a:extLst>
               <a:ext uri="{FF2B5EF4-FFF2-40B4-BE49-F238E27FC236}">
-                <a16:creationId xmlns:a16="http://schemas.microsoft.com/office/drawing/2014/main" id="{92018F0E-1F05-51BB-FE8E-8381A58AFF2C}"/>
+                <a16:creationId xmlns:a16="http://schemas.microsoft.com/office/drawing/2014/main" id="{FDA1EBE8-BB06-15D6-D623-C309E6084250}"/>
               </a:ext>
             </a:extLst>
           </p:cNvPr>
@@ -1256,7 +1256,7 @@
           <p:cNvPr id="3" name="内容占位符 2">
             <a:extLst>
               <a:ext uri="{FF2B5EF4-FFF2-40B4-BE49-F238E27FC236}">
-                <a16:creationId xmlns:a16="http://schemas.microsoft.com/office/drawing/2014/main" id="{1548C420-EFA2-1C81-0938-96885F81FD9D}"/>
+                <a16:creationId xmlns:a16="http://schemas.microsoft.com/office/drawing/2014/main" id="{577BD0D9-B8B9-18F2-560F-9ABF106FF7C2}"/>
               </a:ext>
             </a:extLst>
           </p:cNvPr>
@@ -1318,7 +1318,7 @@
           <p:cNvPr id="4" name="内容占位符 3">
             <a:extLst>
               <a:ext uri="{FF2B5EF4-FFF2-40B4-BE49-F238E27FC236}">
-                <a16:creationId xmlns:a16="http://schemas.microsoft.com/office/drawing/2014/main" id="{1E3EEA0F-1405-EA3F-3AD0-6DE69014AF67}"/>
+                <a16:creationId xmlns:a16="http://schemas.microsoft.com/office/drawing/2014/main" id="{DFE71DD8-0A56-F428-030D-BEA3A2A678EB}"/>
               </a:ext>
             </a:extLst>
           </p:cNvPr>
@@ -1380,7 +1380,7 @@
           <p:cNvPr id="5" name="日期占位符 4">
             <a:extLst>
               <a:ext uri="{FF2B5EF4-FFF2-40B4-BE49-F238E27FC236}">
-                <a16:creationId xmlns:a16="http://schemas.microsoft.com/office/drawing/2014/main" id="{299F3679-E9B5-B026-68A8-F17F95758B6E}"/>
+                <a16:creationId xmlns:a16="http://schemas.microsoft.com/office/drawing/2014/main" id="{67C8B1A5-78FF-48D9-9240-86B5523A1EE6}"/>
               </a:ext>
             </a:extLst>
           </p:cNvPr>
@@ -1396,7 +1396,7 @@
           <a:bodyPr/>
           <a:lstStyle/>
           <a:p>
-            <a:fld id="{5DFB7F0E-8395-4EE0-BEFA-6B2B519E63DC}" type="datetimeFigureOut">
+            <a:fld id="{05C64869-580A-4F91-B380-602DA525EA76}" type="datetimeFigureOut">
               <a:rPr lang="zh-CN" altLang="en-US" smtClean="0"/>
               <a:t>2024/3/10</a:t>
             </a:fld>
@@ -1409,7 +1409,7 @@
           <p:cNvPr id="6" name="页脚占位符 5">
             <a:extLst>
               <a:ext uri="{FF2B5EF4-FFF2-40B4-BE49-F238E27FC236}">
-                <a16:creationId xmlns:a16="http://schemas.microsoft.com/office/drawing/2014/main" id="{DC511F86-3FBB-B457-4D19-744C06AEB07C}"/>
+                <a16:creationId xmlns:a16="http://schemas.microsoft.com/office/drawing/2014/main" id="{CECDD87D-0C6B-E284-7968-C66327EC10CF}"/>
               </a:ext>
             </a:extLst>
           </p:cNvPr>
@@ -1434,7 +1434,7 @@
           <p:cNvPr id="7" name="灯片编号占位符 6">
             <a:extLst>
               <a:ext uri="{FF2B5EF4-FFF2-40B4-BE49-F238E27FC236}">
-                <a16:creationId xmlns:a16="http://schemas.microsoft.com/office/drawing/2014/main" id="{CAC987B8-3C00-339C-8293-5461F04DED27}"/>
+                <a16:creationId xmlns:a16="http://schemas.microsoft.com/office/drawing/2014/main" id="{3889B20D-A6E0-B375-8648-E0E0B89E9DB9}"/>
               </a:ext>
             </a:extLst>
           </p:cNvPr>
@@ -1450,7 +1450,7 @@
           <a:bodyPr/>
           <a:lstStyle/>
           <a:p>
-            <a:fld id="{F8D968D9-4CD3-428C-B29F-6EC42F36DC62}" type="slidenum">
+            <a:fld id="{16FDC2A1-7779-47E5-9341-4A1E69250E43}" type="slidenum">
               <a:rPr lang="zh-CN" altLang="en-US" smtClean="0"/>
               <a:t>‹#›</a:t>
             </a:fld>
@@ -1461,7 +1461,7 @@
     </p:spTree>
     <p:extLst>
       <p:ext uri="{BB962C8B-B14F-4D97-AF65-F5344CB8AC3E}">
-        <p14:creationId xmlns:p14="http://schemas.microsoft.com/office/powerpoint/2010/main" val="896682199"/>
+        <p14:creationId xmlns:p14="http://schemas.microsoft.com/office/powerpoint/2010/main" val="3605175032"/>
       </p:ext>
     </p:extLst>
   </p:cSld>
@@ -1493,7 +1493,7 @@
           <p:cNvPr id="2" name="标题 1">
             <a:extLst>
               <a:ext uri="{FF2B5EF4-FFF2-40B4-BE49-F238E27FC236}">
-                <a16:creationId xmlns:a16="http://schemas.microsoft.com/office/drawing/2014/main" id="{1D78FABA-0D79-D5EC-362F-F4C1CD36810F}"/>
+                <a16:creationId xmlns:a16="http://schemas.microsoft.com/office/drawing/2014/main" id="{FC78CA5A-C56E-3DE3-6F54-C94FD110C8FE}"/>
               </a:ext>
             </a:extLst>
           </p:cNvPr>
@@ -1526,7 +1526,7 @@
           <p:cNvPr id="3" name="文本占位符 2">
             <a:extLst>
               <a:ext uri="{FF2B5EF4-FFF2-40B4-BE49-F238E27FC236}">
-                <a16:creationId xmlns:a16="http://schemas.microsoft.com/office/drawing/2014/main" id="{A79E3C3F-1341-70A6-D845-8EFF89207100}"/>
+                <a16:creationId xmlns:a16="http://schemas.microsoft.com/office/drawing/2014/main" id="{07751FB6-E5B0-2D45-6678-E84EA1C92618}"/>
               </a:ext>
             </a:extLst>
           </p:cNvPr>
@@ -1597,7 +1597,7 @@
           <p:cNvPr id="4" name="内容占位符 3">
             <a:extLst>
               <a:ext uri="{FF2B5EF4-FFF2-40B4-BE49-F238E27FC236}">
-                <a16:creationId xmlns:a16="http://schemas.microsoft.com/office/drawing/2014/main" id="{6A4CABAB-2FFA-C30C-F93E-BE1B6B2C83A7}"/>
+                <a16:creationId xmlns:a16="http://schemas.microsoft.com/office/drawing/2014/main" id="{64D7C298-A32B-2032-3954-1A9B29BFDEB6}"/>
               </a:ext>
             </a:extLst>
           </p:cNvPr>
@@ -1659,7 +1659,7 @@
           <p:cNvPr id="5" name="文本占位符 4">
             <a:extLst>
               <a:ext uri="{FF2B5EF4-FFF2-40B4-BE49-F238E27FC236}">
-                <a16:creationId xmlns:a16="http://schemas.microsoft.com/office/drawing/2014/main" id="{828D4EA6-105B-5EB8-25F7-3B0337376B09}"/>
+                <a16:creationId xmlns:a16="http://schemas.microsoft.com/office/drawing/2014/main" id="{24E478AD-B473-69F6-233E-F426844B3A08}"/>
               </a:ext>
             </a:extLst>
           </p:cNvPr>
@@ -1730,7 +1730,7 @@
           <p:cNvPr id="6" name="内容占位符 5">
             <a:extLst>
               <a:ext uri="{FF2B5EF4-FFF2-40B4-BE49-F238E27FC236}">
-                <a16:creationId xmlns:a16="http://schemas.microsoft.com/office/drawing/2014/main" id="{ACD270B3-CB6F-74DE-7BFA-ECE302C0014A}"/>
+                <a16:creationId xmlns:a16="http://schemas.microsoft.com/office/drawing/2014/main" id="{DCBEB2B4-531F-B59F-24F9-925AC1BD116B}"/>
               </a:ext>
             </a:extLst>
           </p:cNvPr>
@@ -1792,7 +1792,7 @@
           <p:cNvPr id="7" name="日期占位符 6">
             <a:extLst>
               <a:ext uri="{FF2B5EF4-FFF2-40B4-BE49-F238E27FC236}">
-                <a16:creationId xmlns:a16="http://schemas.microsoft.com/office/drawing/2014/main" id="{AC59E314-1F05-B88C-47D1-B3A3B630AD0E}"/>
+                <a16:creationId xmlns:a16="http://schemas.microsoft.com/office/drawing/2014/main" id="{E1884A83-B5A1-1275-86CA-33D4344D5E08}"/>
               </a:ext>
             </a:extLst>
           </p:cNvPr>
@@ -1808,7 +1808,7 @@
           <a:bodyPr/>
           <a:lstStyle/>
           <a:p>
-            <a:fld id="{5DFB7F0E-8395-4EE0-BEFA-6B2B519E63DC}" type="datetimeFigureOut">
+            <a:fld id="{05C64869-580A-4F91-B380-602DA525EA76}" type="datetimeFigureOut">
               <a:rPr lang="zh-CN" altLang="en-US" smtClean="0"/>
               <a:t>2024/3/10</a:t>
             </a:fld>
@@ -1821,7 +1821,7 @@
           <p:cNvPr id="8" name="页脚占位符 7">
             <a:extLst>
               <a:ext uri="{FF2B5EF4-FFF2-40B4-BE49-F238E27FC236}">
-                <a16:creationId xmlns:a16="http://schemas.microsoft.com/office/drawing/2014/main" id="{BC2DBEE1-40B4-1A22-3B46-495E067BD811}"/>
+                <a16:creationId xmlns:a16="http://schemas.microsoft.com/office/drawing/2014/main" id="{5C43CBC4-A452-36CC-3199-6C9517DCF4B9}"/>
               </a:ext>
             </a:extLst>
           </p:cNvPr>
@@ -1846,7 +1846,7 @@
           <p:cNvPr id="9" name="灯片编号占位符 8">
             <a:extLst>
               <a:ext uri="{FF2B5EF4-FFF2-40B4-BE49-F238E27FC236}">
-                <a16:creationId xmlns:a16="http://schemas.microsoft.com/office/drawing/2014/main" id="{7722E3C1-2FD9-69BD-796B-EFEB88D7B3DA}"/>
+                <a16:creationId xmlns:a16="http://schemas.microsoft.com/office/drawing/2014/main" id="{BA7EB76E-9397-3BC5-487F-C71A2DF120D6}"/>
               </a:ext>
             </a:extLst>
           </p:cNvPr>
@@ -1862,7 +1862,7 @@
           <a:bodyPr/>
           <a:lstStyle/>
           <a:p>
-            <a:fld id="{F8D968D9-4CD3-428C-B29F-6EC42F36DC62}" type="slidenum">
+            <a:fld id="{16FDC2A1-7779-47E5-9341-4A1E69250E43}" type="slidenum">
               <a:rPr lang="zh-CN" altLang="en-US" smtClean="0"/>
               <a:t>‹#›</a:t>
             </a:fld>
@@ -1873,7 +1873,7 @@
     </p:spTree>
     <p:extLst>
       <p:ext uri="{BB962C8B-B14F-4D97-AF65-F5344CB8AC3E}">
-        <p14:creationId xmlns:p14="http://schemas.microsoft.com/office/powerpoint/2010/main" val="3604452005"/>
+        <p14:creationId xmlns:p14="http://schemas.microsoft.com/office/powerpoint/2010/main" val="715790432"/>
       </p:ext>
     </p:extLst>
   </p:cSld>
@@ -1905,7 +1905,7 @@
           <p:cNvPr id="2" name="标题 1">
             <a:extLst>
               <a:ext uri="{FF2B5EF4-FFF2-40B4-BE49-F238E27FC236}">
-                <a16:creationId xmlns:a16="http://schemas.microsoft.com/office/drawing/2014/main" id="{7A499D85-8842-E184-B2C2-2CDE2FB4BB41}"/>
+                <a16:creationId xmlns:a16="http://schemas.microsoft.com/office/drawing/2014/main" id="{44F9E882-C7AA-0B42-0802-7698DF9A2499}"/>
               </a:ext>
             </a:extLst>
           </p:cNvPr>
@@ -1933,7 +1933,7 @@
           <p:cNvPr id="3" name="日期占位符 2">
             <a:extLst>
               <a:ext uri="{FF2B5EF4-FFF2-40B4-BE49-F238E27FC236}">
-                <a16:creationId xmlns:a16="http://schemas.microsoft.com/office/drawing/2014/main" id="{B8834002-1737-5C70-55A0-E4AE5BA76DEA}"/>
+                <a16:creationId xmlns:a16="http://schemas.microsoft.com/office/drawing/2014/main" id="{3C93FFD9-E411-8F34-9015-D3802E8A8059}"/>
               </a:ext>
             </a:extLst>
           </p:cNvPr>
@@ -1949,7 +1949,7 @@
           <a:bodyPr/>
           <a:lstStyle/>
           <a:p>
-            <a:fld id="{5DFB7F0E-8395-4EE0-BEFA-6B2B519E63DC}" type="datetimeFigureOut">
+            <a:fld id="{05C64869-580A-4F91-B380-602DA525EA76}" type="datetimeFigureOut">
               <a:rPr lang="zh-CN" altLang="en-US" smtClean="0"/>
               <a:t>2024/3/10</a:t>
             </a:fld>
@@ -1962,7 +1962,7 @@
           <p:cNvPr id="4" name="页脚占位符 3">
             <a:extLst>
               <a:ext uri="{FF2B5EF4-FFF2-40B4-BE49-F238E27FC236}">
-                <a16:creationId xmlns:a16="http://schemas.microsoft.com/office/drawing/2014/main" id="{00012997-BEE3-B35F-FFFB-8E3ACFC02A95}"/>
+                <a16:creationId xmlns:a16="http://schemas.microsoft.com/office/drawing/2014/main" id="{B067806F-12FA-9F44-B663-0E6766090E2E}"/>
               </a:ext>
             </a:extLst>
           </p:cNvPr>
@@ -1987,7 +1987,7 @@
           <p:cNvPr id="5" name="灯片编号占位符 4">
             <a:extLst>
               <a:ext uri="{FF2B5EF4-FFF2-40B4-BE49-F238E27FC236}">
-                <a16:creationId xmlns:a16="http://schemas.microsoft.com/office/drawing/2014/main" id="{DAC6F260-15A7-B3B4-3320-3B244995E098}"/>
+                <a16:creationId xmlns:a16="http://schemas.microsoft.com/office/drawing/2014/main" id="{2CCD60BB-7F2B-8064-D9B1-EC94FAE3AE64}"/>
               </a:ext>
             </a:extLst>
           </p:cNvPr>
@@ -2003,7 +2003,7 @@
           <a:bodyPr/>
           <a:lstStyle/>
           <a:p>
-            <a:fld id="{F8D968D9-4CD3-428C-B29F-6EC42F36DC62}" type="slidenum">
+            <a:fld id="{16FDC2A1-7779-47E5-9341-4A1E69250E43}" type="slidenum">
               <a:rPr lang="zh-CN" altLang="en-US" smtClean="0"/>
               <a:t>‹#›</a:t>
             </a:fld>
@@ -2014,7 +2014,7 @@
     </p:spTree>
     <p:extLst>
       <p:ext uri="{BB962C8B-B14F-4D97-AF65-F5344CB8AC3E}">
-        <p14:creationId xmlns:p14="http://schemas.microsoft.com/office/powerpoint/2010/main" val="2963899317"/>
+        <p14:creationId xmlns:p14="http://schemas.microsoft.com/office/powerpoint/2010/main" val="1456576550"/>
       </p:ext>
     </p:extLst>
   </p:cSld>
@@ -2046,7 +2046,7 @@
           <p:cNvPr id="2" name="日期占位符 1">
             <a:extLst>
               <a:ext uri="{FF2B5EF4-FFF2-40B4-BE49-F238E27FC236}">
-                <a16:creationId xmlns:a16="http://schemas.microsoft.com/office/drawing/2014/main" id="{470D5F00-A3D1-5894-6038-4F8AC768ADE2}"/>
+                <a16:creationId xmlns:a16="http://schemas.microsoft.com/office/drawing/2014/main" id="{F5F3C9EA-2EA1-F745-2C3A-2F7EB63309E2}"/>
               </a:ext>
             </a:extLst>
           </p:cNvPr>
@@ -2062,7 +2062,7 @@
           <a:bodyPr/>
           <a:lstStyle/>
           <a:p>
-            <a:fld id="{5DFB7F0E-8395-4EE0-BEFA-6B2B519E63DC}" type="datetimeFigureOut">
+            <a:fld id="{05C64869-580A-4F91-B380-602DA525EA76}" type="datetimeFigureOut">
               <a:rPr lang="zh-CN" altLang="en-US" smtClean="0"/>
               <a:t>2024/3/10</a:t>
             </a:fld>
@@ -2075,7 +2075,7 @@
           <p:cNvPr id="3" name="页脚占位符 2">
             <a:extLst>
               <a:ext uri="{FF2B5EF4-FFF2-40B4-BE49-F238E27FC236}">
-                <a16:creationId xmlns:a16="http://schemas.microsoft.com/office/drawing/2014/main" id="{8772BDE8-A7E6-F141-8263-0AF9CB958772}"/>
+                <a16:creationId xmlns:a16="http://schemas.microsoft.com/office/drawing/2014/main" id="{937CE853-0015-0F46-402B-A3D7B457666A}"/>
               </a:ext>
             </a:extLst>
           </p:cNvPr>
@@ -2100,7 +2100,7 @@
           <p:cNvPr id="4" name="灯片编号占位符 3">
             <a:extLst>
               <a:ext uri="{FF2B5EF4-FFF2-40B4-BE49-F238E27FC236}">
-                <a16:creationId xmlns:a16="http://schemas.microsoft.com/office/drawing/2014/main" id="{F661C832-B502-DE14-18C1-BBF1487F4D65}"/>
+                <a16:creationId xmlns:a16="http://schemas.microsoft.com/office/drawing/2014/main" id="{65D84AE6-A929-2E25-779C-539F92FAD83A}"/>
               </a:ext>
             </a:extLst>
           </p:cNvPr>
@@ -2116,7 +2116,7 @@
           <a:bodyPr/>
           <a:lstStyle/>
           <a:p>
-            <a:fld id="{F8D968D9-4CD3-428C-B29F-6EC42F36DC62}" type="slidenum">
+            <a:fld id="{16FDC2A1-7779-47E5-9341-4A1E69250E43}" type="slidenum">
               <a:rPr lang="zh-CN" altLang="en-US" smtClean="0"/>
               <a:t>‹#›</a:t>
             </a:fld>
@@ -2127,7 +2127,7 @@
     </p:spTree>
     <p:extLst>
       <p:ext uri="{BB962C8B-B14F-4D97-AF65-F5344CB8AC3E}">
-        <p14:creationId xmlns:p14="http://schemas.microsoft.com/office/powerpoint/2010/main" val="2256352802"/>
+        <p14:creationId xmlns:p14="http://schemas.microsoft.com/office/powerpoint/2010/main" val="2644989782"/>
       </p:ext>
     </p:extLst>
   </p:cSld>
@@ -2159,7 +2159,7 @@
           <p:cNvPr id="2" name="标题 1">
             <a:extLst>
               <a:ext uri="{FF2B5EF4-FFF2-40B4-BE49-F238E27FC236}">
-                <a16:creationId xmlns:a16="http://schemas.microsoft.com/office/drawing/2014/main" id="{FF98EFFC-264E-AAA8-3068-31C391A3BEBF}"/>
+                <a16:creationId xmlns:a16="http://schemas.microsoft.com/office/drawing/2014/main" id="{6320F3C8-290C-B1CB-CB6C-CD9C557550D7}"/>
               </a:ext>
             </a:extLst>
           </p:cNvPr>
@@ -2196,7 +2196,7 @@
           <p:cNvPr id="3" name="内容占位符 2">
             <a:extLst>
               <a:ext uri="{FF2B5EF4-FFF2-40B4-BE49-F238E27FC236}">
-                <a16:creationId xmlns:a16="http://schemas.microsoft.com/office/drawing/2014/main" id="{7FBDFF56-A841-AE1E-849A-6564ABA1A514}"/>
+                <a16:creationId xmlns:a16="http://schemas.microsoft.com/office/drawing/2014/main" id="{02766F26-63D6-C095-ACE2-073E53431302}"/>
               </a:ext>
             </a:extLst>
           </p:cNvPr>
@@ -2286,7 +2286,7 @@
           <p:cNvPr id="4" name="文本占位符 3">
             <a:extLst>
               <a:ext uri="{FF2B5EF4-FFF2-40B4-BE49-F238E27FC236}">
-                <a16:creationId xmlns:a16="http://schemas.microsoft.com/office/drawing/2014/main" id="{45A948E8-84F6-A7D2-F685-C824EB4083FA}"/>
+                <a16:creationId xmlns:a16="http://schemas.microsoft.com/office/drawing/2014/main" id="{2094D615-C630-6614-5D91-3587A7DA2CA4}"/>
               </a:ext>
             </a:extLst>
           </p:cNvPr>
@@ -2357,7 +2357,7 @@
           <p:cNvPr id="5" name="日期占位符 4">
             <a:extLst>
               <a:ext uri="{FF2B5EF4-FFF2-40B4-BE49-F238E27FC236}">
-                <a16:creationId xmlns:a16="http://schemas.microsoft.com/office/drawing/2014/main" id="{C9591226-A1D3-94B1-9582-F211AB73BFB6}"/>
+                <a16:creationId xmlns:a16="http://schemas.microsoft.com/office/drawing/2014/main" id="{9B6DDC62-D16B-ADA4-CDF7-C8A3F61DB1C1}"/>
               </a:ext>
             </a:extLst>
           </p:cNvPr>
@@ -2373,7 +2373,7 @@
           <a:bodyPr/>
           <a:lstStyle/>
           <a:p>
-            <a:fld id="{5DFB7F0E-8395-4EE0-BEFA-6B2B519E63DC}" type="datetimeFigureOut">
+            <a:fld id="{05C64869-580A-4F91-B380-602DA525EA76}" type="datetimeFigureOut">
               <a:rPr lang="zh-CN" altLang="en-US" smtClean="0"/>
               <a:t>2024/3/10</a:t>
             </a:fld>
@@ -2386,7 +2386,7 @@
           <p:cNvPr id="6" name="页脚占位符 5">
             <a:extLst>
               <a:ext uri="{FF2B5EF4-FFF2-40B4-BE49-F238E27FC236}">
-                <a16:creationId xmlns:a16="http://schemas.microsoft.com/office/drawing/2014/main" id="{D9734545-B8BF-606D-1F34-198084E94594}"/>
+                <a16:creationId xmlns:a16="http://schemas.microsoft.com/office/drawing/2014/main" id="{72C5C4B4-64BF-0328-6326-1DED1D051E18}"/>
               </a:ext>
             </a:extLst>
           </p:cNvPr>
@@ -2411,7 +2411,7 @@
           <p:cNvPr id="7" name="灯片编号占位符 6">
             <a:extLst>
               <a:ext uri="{FF2B5EF4-FFF2-40B4-BE49-F238E27FC236}">
-                <a16:creationId xmlns:a16="http://schemas.microsoft.com/office/drawing/2014/main" id="{EA364892-96F5-341A-30FB-7BD205A2A568}"/>
+                <a16:creationId xmlns:a16="http://schemas.microsoft.com/office/drawing/2014/main" id="{2A027B79-B48B-B6AD-8FB8-E7150AD1C9FC}"/>
               </a:ext>
             </a:extLst>
           </p:cNvPr>
@@ -2427,7 +2427,7 @@
           <a:bodyPr/>
           <a:lstStyle/>
           <a:p>
-            <a:fld id="{F8D968D9-4CD3-428C-B29F-6EC42F36DC62}" type="slidenum">
+            <a:fld id="{16FDC2A1-7779-47E5-9341-4A1E69250E43}" type="slidenum">
               <a:rPr lang="zh-CN" altLang="en-US" smtClean="0"/>
               <a:t>‹#›</a:t>
             </a:fld>
@@ -2438,7 +2438,7 @@
     </p:spTree>
     <p:extLst>
       <p:ext uri="{BB962C8B-B14F-4D97-AF65-F5344CB8AC3E}">
-        <p14:creationId xmlns:p14="http://schemas.microsoft.com/office/powerpoint/2010/main" val="3598731600"/>
+        <p14:creationId xmlns:p14="http://schemas.microsoft.com/office/powerpoint/2010/main" val="780856511"/>
       </p:ext>
     </p:extLst>
   </p:cSld>
@@ -2470,7 +2470,7 @@
           <p:cNvPr id="2" name="标题 1">
             <a:extLst>
               <a:ext uri="{FF2B5EF4-FFF2-40B4-BE49-F238E27FC236}">
-                <a16:creationId xmlns:a16="http://schemas.microsoft.com/office/drawing/2014/main" id="{1FAC50C1-5282-45DB-1747-F0D5C82729F6}"/>
+                <a16:creationId xmlns:a16="http://schemas.microsoft.com/office/drawing/2014/main" id="{5BF40F6C-7D68-B298-A40A-C96060E1D08F}"/>
               </a:ext>
             </a:extLst>
           </p:cNvPr>
@@ -2507,7 +2507,7 @@
           <p:cNvPr id="3" name="图片占位符 2">
             <a:extLst>
               <a:ext uri="{FF2B5EF4-FFF2-40B4-BE49-F238E27FC236}">
-                <a16:creationId xmlns:a16="http://schemas.microsoft.com/office/drawing/2014/main" id="{F2EB0C6F-6968-3477-060C-E1C545752676}"/>
+                <a16:creationId xmlns:a16="http://schemas.microsoft.com/office/drawing/2014/main" id="{AE0932FE-98A3-762F-76EE-B7FF71F57621}"/>
               </a:ext>
             </a:extLst>
           </p:cNvPr>
@@ -2574,7 +2574,7 @@
           <p:cNvPr id="4" name="文本占位符 3">
             <a:extLst>
               <a:ext uri="{FF2B5EF4-FFF2-40B4-BE49-F238E27FC236}">
-                <a16:creationId xmlns:a16="http://schemas.microsoft.com/office/drawing/2014/main" id="{A8693F5F-3F2B-1DDA-1D04-D2D326B30ABE}"/>
+                <a16:creationId xmlns:a16="http://schemas.microsoft.com/office/drawing/2014/main" id="{98295B30-015F-BF90-75B7-72A804FF3EFF}"/>
               </a:ext>
             </a:extLst>
           </p:cNvPr>
@@ -2645,7 +2645,7 @@
           <p:cNvPr id="5" name="日期占位符 4">
             <a:extLst>
               <a:ext uri="{FF2B5EF4-FFF2-40B4-BE49-F238E27FC236}">
-                <a16:creationId xmlns:a16="http://schemas.microsoft.com/office/drawing/2014/main" id="{80680D01-2197-CE9F-930F-FCB056506660}"/>
+                <a16:creationId xmlns:a16="http://schemas.microsoft.com/office/drawing/2014/main" id="{F0691444-8004-10D2-EB9A-5B65BDEF90CD}"/>
               </a:ext>
             </a:extLst>
           </p:cNvPr>
@@ -2661,7 +2661,7 @@
           <a:bodyPr/>
           <a:lstStyle/>
           <a:p>
-            <a:fld id="{5DFB7F0E-8395-4EE0-BEFA-6B2B519E63DC}" type="datetimeFigureOut">
+            <a:fld id="{05C64869-580A-4F91-B380-602DA525EA76}" type="datetimeFigureOut">
               <a:rPr lang="zh-CN" altLang="en-US" smtClean="0"/>
               <a:t>2024/3/10</a:t>
             </a:fld>
@@ -2674,7 +2674,7 @@
           <p:cNvPr id="6" name="页脚占位符 5">
             <a:extLst>
               <a:ext uri="{FF2B5EF4-FFF2-40B4-BE49-F238E27FC236}">
-                <a16:creationId xmlns:a16="http://schemas.microsoft.com/office/drawing/2014/main" id="{39467CC8-5BF9-5839-BE7A-5CB3DB445A07}"/>
+                <a16:creationId xmlns:a16="http://schemas.microsoft.com/office/drawing/2014/main" id="{662F1D05-5DCA-4CAD-8000-58DB7748D243}"/>
               </a:ext>
             </a:extLst>
           </p:cNvPr>
@@ -2699,7 +2699,7 @@
           <p:cNvPr id="7" name="灯片编号占位符 6">
             <a:extLst>
               <a:ext uri="{FF2B5EF4-FFF2-40B4-BE49-F238E27FC236}">
-                <a16:creationId xmlns:a16="http://schemas.microsoft.com/office/drawing/2014/main" id="{D3B6DD91-676C-7150-9F71-4955E9249541}"/>
+                <a16:creationId xmlns:a16="http://schemas.microsoft.com/office/drawing/2014/main" id="{7E3AABD3-F628-8A1A-21FD-FD8C021168EB}"/>
               </a:ext>
             </a:extLst>
           </p:cNvPr>
@@ -2715,7 +2715,7 @@
           <a:bodyPr/>
           <a:lstStyle/>
           <a:p>
-            <a:fld id="{F8D968D9-4CD3-428C-B29F-6EC42F36DC62}" type="slidenum">
+            <a:fld id="{16FDC2A1-7779-47E5-9341-4A1E69250E43}" type="slidenum">
               <a:rPr lang="zh-CN" altLang="en-US" smtClean="0"/>
               <a:t>‹#›</a:t>
             </a:fld>
@@ -2726,7 +2726,7 @@
     </p:spTree>
     <p:extLst>
       <p:ext uri="{BB962C8B-B14F-4D97-AF65-F5344CB8AC3E}">
-        <p14:creationId xmlns:p14="http://schemas.microsoft.com/office/powerpoint/2010/main" val="3525114381"/>
+        <p14:creationId xmlns:p14="http://schemas.microsoft.com/office/powerpoint/2010/main" val="3705575153"/>
       </p:ext>
     </p:extLst>
   </p:cSld>
@@ -2763,7 +2763,7 @@
           <p:cNvPr id="2" name="标题占位符 1">
             <a:extLst>
               <a:ext uri="{FF2B5EF4-FFF2-40B4-BE49-F238E27FC236}">
-                <a16:creationId xmlns:a16="http://schemas.microsoft.com/office/drawing/2014/main" id="{C64072A7-0414-8F52-571E-22633E1DD07C}"/>
+                <a16:creationId xmlns:a16="http://schemas.microsoft.com/office/drawing/2014/main" id="{BD5A2B4C-7E0A-3810-D392-E1158D363D66}"/>
               </a:ext>
             </a:extLst>
           </p:cNvPr>
@@ -2801,7 +2801,7 @@
           <p:cNvPr id="3" name="文本占位符 2">
             <a:extLst>
               <a:ext uri="{FF2B5EF4-FFF2-40B4-BE49-F238E27FC236}">
-                <a16:creationId xmlns:a16="http://schemas.microsoft.com/office/drawing/2014/main" id="{00EB1ECB-F24A-877C-6659-682B29F2C327}"/>
+                <a16:creationId xmlns:a16="http://schemas.microsoft.com/office/drawing/2014/main" id="{0EC21F0F-9340-B633-0571-CBF8AD847B36}"/>
               </a:ext>
             </a:extLst>
           </p:cNvPr>
@@ -2868,7 +2868,7 @@
           <p:cNvPr id="4" name="日期占位符 3">
             <a:extLst>
               <a:ext uri="{FF2B5EF4-FFF2-40B4-BE49-F238E27FC236}">
-                <a16:creationId xmlns:a16="http://schemas.microsoft.com/office/drawing/2014/main" id="{0A9FFF42-5B8E-15BC-3AEF-448B515C8B74}"/>
+                <a16:creationId xmlns:a16="http://schemas.microsoft.com/office/drawing/2014/main" id="{B2646B9C-CA69-7E98-BC3C-D7887CEF4AEA}"/>
               </a:ext>
             </a:extLst>
           </p:cNvPr>
@@ -2902,7 +2902,7 @@
             </a:lvl1pPr>
           </a:lstStyle>
           <a:p>
-            <a:fld id="{5DFB7F0E-8395-4EE0-BEFA-6B2B519E63DC}" type="datetimeFigureOut">
+            <a:fld id="{05C64869-580A-4F91-B380-602DA525EA76}" type="datetimeFigureOut">
               <a:rPr lang="zh-CN" altLang="en-US" smtClean="0"/>
               <a:t>2024/3/10</a:t>
             </a:fld>
@@ -2915,7 +2915,7 @@
           <p:cNvPr id="5" name="页脚占位符 4">
             <a:extLst>
               <a:ext uri="{FF2B5EF4-FFF2-40B4-BE49-F238E27FC236}">
-                <a16:creationId xmlns:a16="http://schemas.microsoft.com/office/drawing/2014/main" id="{E1C09E05-8B49-7A2D-0674-C73C0C75B3B1}"/>
+                <a16:creationId xmlns:a16="http://schemas.microsoft.com/office/drawing/2014/main" id="{48F11764-E882-1497-C67A-7E6B16BBCB84}"/>
               </a:ext>
             </a:extLst>
           </p:cNvPr>
@@ -2958,7 +2958,7 @@
           <p:cNvPr id="6" name="灯片编号占位符 5">
             <a:extLst>
               <a:ext uri="{FF2B5EF4-FFF2-40B4-BE49-F238E27FC236}">
-                <a16:creationId xmlns:a16="http://schemas.microsoft.com/office/drawing/2014/main" id="{02C2CFB2-B1A8-A971-C730-B1331C985D9E}"/>
+                <a16:creationId xmlns:a16="http://schemas.microsoft.com/office/drawing/2014/main" id="{59E4716E-5D55-12AB-40E8-3A95093330BC}"/>
               </a:ext>
             </a:extLst>
           </p:cNvPr>
@@ -2992,7 +2992,7 @@
             </a:lvl1pPr>
           </a:lstStyle>
           <a:p>
-            <a:fld id="{F8D968D9-4CD3-428C-B29F-6EC42F36DC62}" type="slidenum">
+            <a:fld id="{16FDC2A1-7779-47E5-9341-4A1E69250E43}" type="slidenum">
               <a:rPr lang="zh-CN" altLang="en-US" smtClean="0"/>
               <a:t>‹#›</a:t>
             </a:fld>
@@ -3003,7 +3003,7 @@
     </p:spTree>
     <p:extLst>
       <p:ext uri="{BB962C8B-B14F-4D97-AF65-F5344CB8AC3E}">
-        <p14:creationId xmlns:p14="http://schemas.microsoft.com/office/powerpoint/2010/main" val="1960280576"/>
+        <p14:creationId xmlns:p14="http://schemas.microsoft.com/office/powerpoint/2010/main" val="1794219624"/>
       </p:ext>
     </p:extLst>
   </p:cSld>
